--- a/assignments/Assignment6/DeepQLearning.pptx
+++ b/assignments/Assignment6/DeepQLearning.pptx
@@ -7124,13 +7124,8 @@
                     <a:p>
                       <a:r>
                         <a:rPr lang="en-US" dirty="0"/>
-                        <a:t>Catch up week and wrap </a:t>
+                        <a:t>Catch up week and wrap up report</a:t>
                       </a:r>
-                      <a:r>
-                        <a:rPr lang="en-US"/>
-                        <a:t>up report</a:t>
-                      </a:r>
-                      <a:endParaRPr lang="en-US" dirty="0"/>
                     </a:p>
                   </a:txBody>
                   <a:tcPr/>
@@ -7226,7 +7221,9 @@
           </a:xfrm>
         </p:spPr>
         <p:txBody>
-          <a:bodyPr/>
+          <a:bodyPr>
+            <a:normAutofit lnSpcReduction="10000"/>
+          </a:bodyPr>
           <a:lstStyle/>
           <a:p>
             <a:r>
@@ -7238,7 +7235,133 @@
             <a:endParaRPr lang="en-US" dirty="0"/>
           </a:p>
           <a:p>
+            <a:r>
+              <a:rPr lang="en-US" dirty="0"/>
+              <a:t>https://</a:t>
+            </a:r>
+            <a:r>
+              <a:rPr lang="en-US" dirty="0" err="1"/>
+              <a:t>github.com</a:t>
+            </a:r>
+            <a:r>
+              <a:rPr lang="en-US" dirty="0"/>
+              <a:t>/</a:t>
+            </a:r>
+            <a:r>
+              <a:rPr lang="en-US" dirty="0" err="1"/>
+              <a:t>MichaelBosello</a:t>
+            </a:r>
+            <a:r>
+              <a:rPr lang="en-US" dirty="0"/>
+              <a:t>/</a:t>
+            </a:r>
+            <a:r>
+              <a:rPr lang="en-US" dirty="0" err="1"/>
+              <a:t>carla-colab.git</a:t>
+            </a:r>
             <a:endParaRPr lang="en-US" dirty="0"/>
+          </a:p>
+          <a:p>
+            <a:r>
+              <a:rPr lang="en-US" dirty="0"/>
+              <a:t>http://</a:t>
+            </a:r>
+            <a:r>
+              <a:rPr lang="en-US" dirty="0" err="1"/>
+              <a:t>carla.org</a:t>
+            </a:r>
+            <a:r>
+              <a:rPr lang="en-US" dirty="0"/>
+              <a:t>/</a:t>
+            </a:r>
+          </a:p>
+          <a:p>
+            <a:r>
+              <a:rPr lang="en-US" dirty="0"/>
+              <a:t>https://</a:t>
+            </a:r>
+            <a:r>
+              <a:rPr lang="en-US" dirty="0" err="1"/>
+              <a:t>carla.readthedocs.io</a:t>
+            </a:r>
+            <a:r>
+              <a:rPr lang="en-US" dirty="0"/>
+              <a:t>/</a:t>
+            </a:r>
+            <a:r>
+              <a:rPr lang="en-US" dirty="0" err="1"/>
+              <a:t>en</a:t>
+            </a:r>
+            <a:r>
+              <a:rPr lang="en-US" dirty="0"/>
+              <a:t>/0.9.7/</a:t>
+            </a:r>
+            <a:r>
+              <a:rPr lang="en-US" dirty="0" err="1"/>
+              <a:t>getting_started</a:t>
+            </a:r>
+            <a:r>
+              <a:rPr lang="en-US" dirty="0"/>
+              <a:t>/</a:t>
+            </a:r>
+          </a:p>
+          <a:p>
+            <a:r>
+              <a:rPr lang="en-US" dirty="0"/>
+              <a:t>https://</a:t>
+            </a:r>
+            <a:r>
+              <a:rPr lang="en-US" dirty="0" err="1"/>
+              <a:t>openaccess.thecvf.com</a:t>
+            </a:r>
+            <a:r>
+              <a:rPr lang="en-US" dirty="0"/>
+              <a:t>/content_cvpr_2018/</a:t>
+            </a:r>
+            <a:r>
+              <a:rPr lang="en-US" dirty="0" err="1"/>
+              <a:t>papers_backup</a:t>
+            </a:r>
+            <a:r>
+              <a:rPr lang="en-US" dirty="0"/>
+              <a:t>/Mullapudi_HydraNets_Specialized_Dynamic_CVPR_2018_paper.pdf</a:t>
+            </a:r>
+          </a:p>
+          <a:p>
+            <a:r>
+              <a:rPr lang="en-US" dirty="0"/>
+              <a:t>https://</a:t>
+            </a:r>
+            <a:r>
+              <a:rPr lang="en-US" dirty="0" err="1"/>
+              <a:t>towardsdatascience.com</a:t>
+            </a:r>
+            <a:r>
+              <a:rPr lang="en-US" dirty="0"/>
+              <a:t>/deep-q-learning-tutorial-mindqn-2a4c855abffc</a:t>
+            </a:r>
+          </a:p>
+          <a:p>
+            <a:r>
+              <a:rPr lang="en-US" dirty="0"/>
+              <a:t>https://</a:t>
+            </a:r>
+            <a:r>
+              <a:rPr lang="en-US" dirty="0" err="1"/>
+              <a:t>www.youtube.com</a:t>
+            </a:r>
+            <a:r>
+              <a:rPr lang="en-US" dirty="0"/>
+              <a:t>/</a:t>
+            </a:r>
+            <a:r>
+              <a:rPr lang="en-US" dirty="0" err="1"/>
+              <a:t>watch?v</a:t>
+            </a:r>
+            <a:r>
+              <a:rPr lang="en-US" dirty="0"/>
+              <a:t>=EaY5QiZwSP4&amp;t=1595s</a:t>
+            </a:r>
           </a:p>
         </p:txBody>
       </p:sp>

--- a/assignments/Assignment6/DeepQLearning.pptx
+++ b/assignments/Assignment6/DeepQLearning.pptx
@@ -11,8 +11,9 @@
     <p:sldId id="261" r:id="rId5"/>
     <p:sldId id="259" r:id="rId6"/>
     <p:sldId id="260" r:id="rId7"/>
-    <p:sldId id="262" r:id="rId8"/>
-    <p:sldId id="263" r:id="rId9"/>
+    <p:sldId id="264" r:id="rId8"/>
+    <p:sldId id="262" r:id="rId9"/>
+    <p:sldId id="263" r:id="rId10"/>
   </p:sldIdLst>
   <p:sldSz cx="12192000" cy="6858000"/>
   <p:notesSz cx="6858000" cy="9144000"/>
@@ -6826,6 +6827,159 @@
       </p:grpSpPr>
       <p:sp>
         <p:nvSpPr>
+          <p:cNvPr id="5" name="Title 4">
+            <a:extLst>
+              <a:ext uri="{FF2B5EF4-FFF2-40B4-BE49-F238E27FC236}">
+                <a16:creationId xmlns:a16="http://schemas.microsoft.com/office/drawing/2014/main" id="{8059C4A9-C844-EA49-BDEA-BB386FE6F9FE}"/>
+              </a:ext>
+            </a:extLst>
+          </p:cNvPr>
+          <p:cNvSpPr>
+            <a:spLocks noGrp="1"/>
+          </p:cNvSpPr>
+          <p:nvPr>
+            <p:ph type="title"/>
+          </p:nvPr>
+        </p:nvSpPr>
+        <p:spPr/>
+        <p:txBody>
+          <a:bodyPr/>
+          <a:lstStyle/>
+          <a:p>
+            <a:r>
+              <a:rPr lang="en-US" dirty="0"/>
+              <a:t>Existing Links</a:t>
+            </a:r>
+          </a:p>
+        </p:txBody>
+      </p:sp>
+      <p:sp>
+        <p:nvSpPr>
+          <p:cNvPr id="6" name="Content Placeholder 5">
+            <a:extLst>
+              <a:ext uri="{FF2B5EF4-FFF2-40B4-BE49-F238E27FC236}">
+                <a16:creationId xmlns:a16="http://schemas.microsoft.com/office/drawing/2014/main" id="{ECB2A519-C1CA-5E45-95FA-AE6B4EB5F469}"/>
+              </a:ext>
+            </a:extLst>
+          </p:cNvPr>
+          <p:cNvSpPr>
+            <a:spLocks noGrp="1"/>
+          </p:cNvSpPr>
+          <p:nvPr>
+            <p:ph sz="half" idx="1"/>
+          </p:nvPr>
+        </p:nvSpPr>
+        <p:spPr/>
+        <p:txBody>
+          <a:bodyPr/>
+          <a:lstStyle/>
+          <a:p>
+            <a:r>
+              <a:rPr lang="en-US" dirty="0"/>
+              <a:t>This study uses transfer learning with the ResNet34 neural network on the CARLA simulator to try to run the vehicle autonomously.</a:t>
+            </a:r>
+          </a:p>
+          <a:p>
+            <a:endParaRPr lang="en-US" dirty="0"/>
+          </a:p>
+          <a:p>
+            <a:r>
+              <a:rPr lang="en-US" dirty="0">
+                <a:hlinkClick r:id="rId2"/>
+              </a:rPr>
+              <a:t>https://www.kaggle.com/nbuhagiar/carla-semantic-segmentation</a:t>
+            </a:r>
+            <a:endParaRPr lang="en-US" dirty="0"/>
+          </a:p>
+        </p:txBody>
+      </p:sp>
+      <p:sp>
+        <p:nvSpPr>
+          <p:cNvPr id="8" name="Content Placeholder 7">
+            <a:extLst>
+              <a:ext uri="{FF2B5EF4-FFF2-40B4-BE49-F238E27FC236}">
+                <a16:creationId xmlns:a16="http://schemas.microsoft.com/office/drawing/2014/main" id="{0D5E7CF2-3B2F-874E-9482-2105F94BF839}"/>
+              </a:ext>
+            </a:extLst>
+          </p:cNvPr>
+          <p:cNvSpPr>
+            <a:spLocks noGrp="1"/>
+          </p:cNvSpPr>
+          <p:nvPr>
+            <p:ph sz="half" idx="2"/>
+          </p:nvPr>
+        </p:nvSpPr>
+        <p:spPr/>
+        <p:txBody>
+          <a:bodyPr/>
+          <a:lstStyle/>
+          <a:p>
+            <a:endParaRPr lang="en-US" dirty="0"/>
+          </a:p>
+        </p:txBody>
+      </p:sp>
+      <p:pic>
+        <p:nvPicPr>
+          <p:cNvPr id="9" name="Picture 8">
+            <a:extLst>
+              <a:ext uri="{FF2B5EF4-FFF2-40B4-BE49-F238E27FC236}">
+                <a16:creationId xmlns:a16="http://schemas.microsoft.com/office/drawing/2014/main" id="{033365DC-693C-754A-9682-25CF70B9549D}"/>
+              </a:ext>
+            </a:extLst>
+          </p:cNvPr>
+          <p:cNvPicPr>
+            <a:picLocks noChangeAspect="1"/>
+          </p:cNvPicPr>
+          <p:nvPr/>
+        </p:nvPicPr>
+        <p:blipFill>
+          <a:blip r:embed="rId3"/>
+          <a:stretch>
+            <a:fillRect/>
+          </a:stretch>
+        </p:blipFill>
+        <p:spPr>
+          <a:xfrm>
+            <a:off x="5654493" y="1730730"/>
+            <a:ext cx="5335503" cy="4674552"/>
+          </a:xfrm>
+          <a:prstGeom prst="rect">
+            <a:avLst/>
+          </a:prstGeom>
+        </p:spPr>
+      </p:pic>
+    </p:spTree>
+    <p:extLst>
+      <p:ext uri="{BB962C8B-B14F-4D97-AF65-F5344CB8AC3E}">
+        <p14:creationId xmlns:p14="http://schemas.microsoft.com/office/powerpoint/2010/main" val="2655359569"/>
+      </p:ext>
+    </p:extLst>
+  </p:cSld>
+  <p:clrMapOvr>
+    <a:masterClrMapping/>
+  </p:clrMapOvr>
+</p:sld>
+</file>
+
+<file path=ppt/slides/slide8.xml><?xml version="1.0" encoding="utf-8"?>
+<p:sld xmlns:a="http://schemas.openxmlformats.org/drawingml/2006/main" xmlns:r="http://schemas.openxmlformats.org/officeDocument/2006/relationships" xmlns:p="http://schemas.openxmlformats.org/presentationml/2006/main">
+  <p:cSld>
+    <p:spTree>
+      <p:nvGrpSpPr>
+        <p:cNvPr id="1" name=""/>
+        <p:cNvGrpSpPr/>
+        <p:nvPr/>
+      </p:nvGrpSpPr>
+      <p:grpSpPr>
+        <a:xfrm>
+          <a:off x="0" y="0"/>
+          <a:ext cx="0" cy="0"/>
+          <a:chOff x="0" y="0"/>
+          <a:chExt cx="0" cy="0"/>
+        </a:xfrm>
+      </p:grpSpPr>
+      <p:sp>
+        <p:nvSpPr>
           <p:cNvPr id="2" name="Title 1">
             <a:extLst>
               <a:ext uri="{FF2B5EF4-FFF2-40B4-BE49-F238E27FC236}">
@@ -7153,7 +7307,7 @@
 </p:sld>
 </file>
 
-<file path=ppt/slides/slide8.xml><?xml version="1.0" encoding="utf-8"?>
+<file path=ppt/slides/slide9.xml><?xml version="1.0" encoding="utf-8"?>
 <p:sld xmlns:a="http://schemas.openxmlformats.org/drawingml/2006/main" xmlns:r="http://schemas.openxmlformats.org/officeDocument/2006/relationships" xmlns:p="http://schemas.openxmlformats.org/presentationml/2006/main">
   <p:cSld>
     <p:spTree>
